--- a/ppts/14Location.pptx
+++ b/ppts/14Location.pptx
@@ -2184,7 +2184,7 @@
           </a:ln>
           <a:extLst>
             <a:ext uri="{C572A759-6A51-4108-AA02-DFA0A04FC94B}">
-              <ma14:wrappingTextBoxFlag xmlns:ma14="http://schemas.microsoft.com/office/mac/drawingml/2011/main" xmlns="" val="1"/>
+              <ma14:wrappingTextBoxFlag xmlns="" xmlns:ma14="http://schemas.microsoft.com/office/mac/drawingml/2011/main" val="1"/>
             </a:ext>
           </a:extLst>
         </p:spPr>
@@ -4402,6 +4402,13 @@
   <p:clrMapOvr>
     <a:masterClrMapping/>
   </p:clrMapOvr>
+  <p:timing>
+    <p:tnLst>
+      <p:par>
+        <p:cTn id="1" dur="indefinite" restart="never" nodeType="tmRoot"/>
+      </p:par>
+    </p:tnLst>
+  </p:timing>
 </p:sld>
 </file>
 
@@ -4762,6 +4769,13 @@
   <p:clrMapOvr>
     <a:masterClrMapping/>
   </p:clrMapOvr>
+  <p:timing>
+    <p:tnLst>
+      <p:par>
+        <p:cTn id="1" dur="indefinite" restart="never" nodeType="tmRoot"/>
+      </p:par>
+    </p:tnLst>
+  </p:timing>
 </p:sld>
 </file>
 
@@ -5799,6 +5813,13 @@
   <p:clrMapOvr>
     <a:masterClrMapping/>
   </p:clrMapOvr>
+  <p:timing>
+    <p:tnLst>
+      <p:par>
+        <p:cTn id="1" dur="indefinite" restart="never" nodeType="tmRoot"/>
+      </p:par>
+    </p:tnLst>
+  </p:timing>
 </p:sld>
 </file>
 
@@ -6072,6 +6093,13 @@
   <p:clrMapOvr>
     <a:masterClrMapping/>
   </p:clrMapOvr>
+  <p:timing>
+    <p:tnLst>
+      <p:par>
+        <p:cTn id="1" dur="indefinite" restart="never" nodeType="tmRoot"/>
+      </p:par>
+    </p:tnLst>
+  </p:timing>
 </p:sld>
 </file>
 
@@ -7314,6 +7342,13 @@
   <p:clrMapOvr>
     <a:masterClrMapping/>
   </p:clrMapOvr>
+  <p:timing>
+    <p:tnLst>
+      <p:par>
+        <p:cTn id="1" dur="indefinite" restart="never" nodeType="tmRoot"/>
+      </p:par>
+    </p:tnLst>
+  </p:timing>
 </p:sld>
 </file>
 
@@ -7639,6 +7674,13 @@
   <p:clrMapOvr>
     <a:masterClrMapping/>
   </p:clrMapOvr>
+  <p:timing>
+    <p:tnLst>
+      <p:par>
+        <p:cTn id="1" dur="indefinite" restart="never" nodeType="tmRoot"/>
+      </p:par>
+    </p:tnLst>
+  </p:timing>
 </p:sld>
 </file>
 
@@ -8738,6 +8780,13 @@
   <p:clrMapOvr>
     <a:masterClrMapping/>
   </p:clrMapOvr>
+  <p:timing>
+    <p:tnLst>
+      <p:par>
+        <p:cTn id="1" dur="indefinite" restart="never" nodeType="tmRoot"/>
+      </p:par>
+    </p:tnLst>
+  </p:timing>
 </p:sld>
 </file>
 
@@ -10063,6 +10112,13 @@
   <p:clrMapOvr>
     <a:masterClrMapping/>
   </p:clrMapOvr>
+  <p:timing>
+    <p:tnLst>
+      <p:par>
+        <p:cTn id="1" dur="indefinite" restart="never" nodeType="tmRoot"/>
+      </p:par>
+    </p:tnLst>
+  </p:timing>
 </p:sld>
 </file>
 
@@ -10344,6 +10400,13 @@
   <p:clrMapOvr>
     <a:masterClrMapping/>
   </p:clrMapOvr>
+  <p:timing>
+    <p:tnLst>
+      <p:par>
+        <p:cTn id="1" dur="indefinite" restart="never" nodeType="tmRoot"/>
+      </p:par>
+    </p:tnLst>
+  </p:timing>
 </p:sld>
 </file>
 
@@ -10669,6 +10732,13 @@
   <p:clrMapOvr>
     <a:masterClrMapping/>
   </p:clrMapOvr>
+  <p:timing>
+    <p:tnLst>
+      <p:par>
+        <p:cTn id="1" dur="indefinite" restart="never" nodeType="tmRoot"/>
+      </p:par>
+    </p:tnLst>
+  </p:timing>
 </p:sld>
 </file>
 
@@ -10881,6 +10951,13 @@
   <p:clrMapOvr>
     <a:masterClrMapping/>
   </p:clrMapOvr>
+  <p:timing>
+    <p:tnLst>
+      <p:par>
+        <p:cTn id="1" dur="indefinite" restart="never" nodeType="tmRoot"/>
+      </p:par>
+    </p:tnLst>
+  </p:timing>
 </p:sld>
 </file>
 
@@ -11465,6 +11542,13 @@
   <p:clrMapOvr>
     <a:masterClrMapping/>
   </p:clrMapOvr>
+  <p:timing>
+    <p:tnLst>
+      <p:par>
+        <p:cTn id="1" dur="indefinite" restart="never" nodeType="tmRoot"/>
+      </p:par>
+    </p:tnLst>
+  </p:timing>
 </p:sld>
 </file>
 
@@ -11905,6 +11989,13 @@
   <p:clrMapOvr>
     <a:masterClrMapping/>
   </p:clrMapOvr>
+  <p:timing>
+    <p:tnLst>
+      <p:par>
+        <p:cTn id="1" dur="indefinite" restart="never" nodeType="tmRoot"/>
+      </p:par>
+    </p:tnLst>
+  </p:timing>
 </p:sld>
 </file>
 
@@ -12686,6 +12777,13 @@
   <p:clrMapOvr>
     <a:masterClrMapping/>
   </p:clrMapOvr>
+  <p:timing>
+    <p:tnLst>
+      <p:par>
+        <p:cTn id="1" dur="indefinite" restart="never" nodeType="tmRoot"/>
+      </p:par>
+    </p:tnLst>
+  </p:timing>
 </p:sld>
 </file>
 
@@ -12959,6 +13057,13 @@
   <p:clrMapOvr>
     <a:masterClrMapping/>
   </p:clrMapOvr>
+  <p:timing>
+    <p:tnLst>
+      <p:par>
+        <p:cTn id="1" dur="indefinite" restart="never" nodeType="tmRoot"/>
+      </p:par>
+    </p:tnLst>
+  </p:timing>
 </p:sld>
 </file>
 
@@ -13994,6 +14099,13 @@
   <p:clrMapOvr>
     <a:masterClrMapping/>
   </p:clrMapOvr>
+  <p:timing>
+    <p:tnLst>
+      <p:par>
+        <p:cTn id="1" dur="indefinite" restart="never" nodeType="tmRoot"/>
+      </p:par>
+    </p:tnLst>
+  </p:timing>
 </p:sld>
 </file>
 
@@ -14955,6 +15067,13 @@
   <p:clrMapOvr>
     <a:masterClrMapping/>
   </p:clrMapOvr>
+  <p:timing>
+    <p:tnLst>
+      <p:par>
+        <p:cTn id="1" dur="indefinite" restart="never" nodeType="tmRoot"/>
+      </p:par>
+    </p:tnLst>
+  </p:timing>
 </p:sld>
 </file>
 
@@ -15528,6 +15647,13 @@
   <p:clrMapOvr>
     <a:masterClrMapping/>
   </p:clrMapOvr>
+  <p:timing>
+    <p:tnLst>
+      <p:par>
+        <p:cTn id="1" dur="indefinite" restart="never" nodeType="tmRoot"/>
+      </p:par>
+    </p:tnLst>
+  </p:timing>
 </p:sld>
 </file>
 
@@ -15650,7 +15776,6 @@
               <a:rPr lang="en-US" altLang="ko-KR" dirty="0" smtClean="0"/>
               <a:t>()</a:t>
             </a:r>
-            <a:endParaRPr lang="en-US" altLang="ko-KR" dirty="0" smtClean="0"/>
           </a:p>
           <a:p>
             <a:r>
@@ -15818,6 +15943,13 @@
   <p:clrMapOvr>
     <a:masterClrMapping/>
   </p:clrMapOvr>
+  <p:timing>
+    <p:tnLst>
+      <p:par>
+        <p:cTn id="1" dur="indefinite" restart="never" nodeType="tmRoot"/>
+      </p:par>
+    </p:tnLst>
+  </p:timing>
 </p:sld>
 </file>
 
@@ -17216,6 +17348,13 @@
   <p:clrMapOvr>
     <a:masterClrMapping/>
   </p:clrMapOvr>
+  <p:timing>
+    <p:tnLst>
+      <p:par>
+        <p:cTn id="1" dur="indefinite" restart="never" nodeType="tmRoot"/>
+      </p:par>
+    </p:tnLst>
+  </p:timing>
 </p:sld>
 </file>
 
@@ -17833,10 +17972,6 @@
               </a:rPr>
               <a:t>            }   </a:t>
             </a:r>
-            <a:endParaRPr lang="en-US" altLang="ko-KR" sz="1600" dirty="0">
-              <a:latin typeface="Consolas" panose="020B0609020204030204" pitchFamily="49" charset="0"/>
-              <a:ea typeface="D2Coding" panose="020B0609020101020101" pitchFamily="49" charset="-127"/>
-            </a:endParaRPr>
           </a:p>
           <a:p>
             <a:pPr marL="0" indent="0" eaLnBrk="0" fontAlgn="base" hangingPunct="0">
@@ -18341,6 +18476,13 @@
   <p:clrMapOvr>
     <a:masterClrMapping/>
   </p:clrMapOvr>
+  <p:timing>
+    <p:tnLst>
+      <p:par>
+        <p:cTn id="1" dur="indefinite" restart="never" nodeType="tmRoot"/>
+      </p:par>
+    </p:tnLst>
+  </p:timing>
 </p:sld>
 </file>
 
@@ -18868,6 +19010,13 @@
   <p:clrMapOvr>
     <a:masterClrMapping/>
   </p:clrMapOvr>
+  <p:timing>
+    <p:tnLst>
+      <p:par>
+        <p:cTn id="1" dur="indefinite" restart="never" nodeType="tmRoot"/>
+      </p:par>
+    </p:tnLst>
+  </p:timing>
 </p:sld>
 </file>
 
@@ -19257,6 +19406,13 @@
   <p:clrMapOvr>
     <a:masterClrMapping/>
   </p:clrMapOvr>
+  <p:timing>
+    <p:tnLst>
+      <p:par>
+        <p:cTn id="1" dur="indefinite" restart="never" nodeType="tmRoot"/>
+      </p:par>
+    </p:tnLst>
+  </p:timing>
 </p:sld>
 </file>
 
@@ -19834,10 +19990,6 @@
               </a:rPr>
               <a:t>}</a:t>
             </a:r>
-            <a:endParaRPr lang="en-US" altLang="ko-KR" sz="1600" dirty="0" smtClean="0">
-              <a:latin typeface="Consolas" panose="020B0609020204030204" pitchFamily="49" charset="0"/>
-              <a:ea typeface="D2Coding" panose="020B0609020101020101" pitchFamily="49" charset="-127"/>
-            </a:endParaRPr>
           </a:p>
           <a:p>
             <a:pPr marL="0" indent="0" eaLnBrk="0" fontAlgn="base" hangingPunct="0">
@@ -19993,19 +20145,8 @@
                 <a:latin typeface="Consolas" panose="020B0609020204030204" pitchFamily="49" charset="0"/>
                 <a:ea typeface="D2Coding" panose="020B0609020101020101" pitchFamily="49" charset="-127"/>
               </a:rPr>
-              <a:t>    </a:t>
-            </a:r>
-            <a:r>
-              <a:rPr lang="en-US" altLang="ko-KR" sz="1600" dirty="0" smtClean="0">
-                <a:latin typeface="Consolas" panose="020B0609020204030204" pitchFamily="49" charset="0"/>
-                <a:ea typeface="D2Coding" panose="020B0609020101020101" pitchFamily="49" charset="-127"/>
-              </a:rPr>
-              <a:t>}</a:t>
-            </a:r>
-            <a:endParaRPr lang="en-US" altLang="ko-KR" sz="1600" dirty="0" smtClean="0">
-              <a:latin typeface="Consolas" panose="020B0609020204030204" pitchFamily="49" charset="0"/>
-              <a:ea typeface="D2Coding" panose="020B0609020101020101" pitchFamily="49" charset="-127"/>
-            </a:endParaRPr>
+              <a:t>    }</a:t>
+            </a:r>
           </a:p>
           <a:p>
             <a:pPr marL="0" indent="0" eaLnBrk="0" fontAlgn="base" hangingPunct="0">
@@ -20038,14 +20179,7 @@
                 <a:latin typeface="Consolas" panose="020B0609020204030204" pitchFamily="49" charset="0"/>
                 <a:ea typeface="D2Coding" panose="020B0609020101020101" pitchFamily="49" charset="-127"/>
               </a:rPr>
-              <a:t>(double latitude, double longitude) </a:t>
-            </a:r>
-            <a:r>
-              <a:rPr lang="en-US" altLang="ko-KR" sz="1600" dirty="0" smtClean="0">
-                <a:latin typeface="Consolas" panose="020B0609020204030204" pitchFamily="49" charset="0"/>
-                <a:ea typeface="D2Coding" panose="020B0609020101020101" pitchFamily="49" charset="-127"/>
-              </a:rPr>
-              <a:t>{</a:t>
+              <a:t>(double latitude, double longitude) {</a:t>
             </a:r>
           </a:p>
           <a:p>
@@ -20605,10 +20739,6 @@
               </a:rPr>
               <a:t>    }</a:t>
             </a:r>
-            <a:endParaRPr lang="en-US" altLang="ko-KR" sz="1600" b="1" dirty="0" smtClean="0">
-              <a:latin typeface="Consolas" panose="020B0609020204030204" pitchFamily="49" charset="0"/>
-              <a:ea typeface="D2Coding" panose="020B0609020101020101" pitchFamily="49" charset="-127"/>
-            </a:endParaRPr>
           </a:p>
           <a:p>
             <a:pPr marL="0" indent="0" eaLnBrk="0" fontAlgn="base" hangingPunct="0">
@@ -20764,6 +20894,13 @@
   <p:clrMapOvr>
     <a:masterClrMapping/>
   </p:clrMapOvr>
+  <p:timing>
+    <p:tnLst>
+      <p:par>
+        <p:cTn id="1" dur="indefinite" restart="never" nodeType="tmRoot"/>
+      </p:par>
+    </p:tnLst>
+  </p:timing>
 </p:sld>
 </file>
 
@@ -21178,6 +21315,13 @@
   <p:clrMapOvr>
     <a:masterClrMapping/>
   </p:clrMapOvr>
+  <p:timing>
+    <p:tnLst>
+      <p:par>
+        <p:cTn id="1" dur="indefinite" restart="never" nodeType="tmRoot"/>
+      </p:par>
+    </p:tnLst>
+  </p:timing>
 </p:sld>
 </file>
 
@@ -22278,6 +22422,13 @@
   <p:clrMapOvr>
     <a:masterClrMapping/>
   </p:clrMapOvr>
+  <p:timing>
+    <p:tnLst>
+      <p:par>
+        <p:cTn id="1" dur="indefinite" restart="never" nodeType="tmRoot"/>
+      </p:par>
+    </p:tnLst>
+  </p:timing>
 </p:sld>
 </file>
 
@@ -22685,32 +22836,11 @@
               <a:t>       </a:t>
             </a:r>
             <a:r>
-              <a:rPr lang="en-US" altLang="ko-KR" sz="1600" dirty="0" err="1" smtClean="0">
-                <a:latin typeface="Consolas" panose="020B0609020204030204" pitchFamily="49" charset="0"/>
-                <a:ea typeface="D2Coding" panose="020B0609020101020101" pitchFamily="49" charset="-127"/>
-              </a:rPr>
-              <a:t>android:theme</a:t>
-            </a:r>
-            <a:r>
-              <a:rPr lang="en-US" altLang="ko-KR" sz="1600" dirty="0">
-                <a:latin typeface="Consolas" panose="020B0609020204030204" pitchFamily="49" charset="0"/>
-                <a:ea typeface="D2Coding" panose="020B0609020101020101" pitchFamily="49" charset="-127"/>
-              </a:rPr>
-              <a:t>="@style/</a:t>
-            </a:r>
-            <a:r>
-              <a:rPr lang="en-US" altLang="ko-KR" sz="1600" dirty="0" err="1">
-                <a:latin typeface="Consolas" panose="020B0609020204030204" pitchFamily="49" charset="0"/>
-                <a:ea typeface="D2Coding" panose="020B0609020101020101" pitchFamily="49" charset="-127"/>
-              </a:rPr>
-              <a:t>AppTheme</a:t>
-            </a:r>
-            <a:r>
               <a:rPr lang="en-US" altLang="ko-KR" sz="1600" dirty="0" smtClean="0">
                 <a:latin typeface="Consolas" panose="020B0609020204030204" pitchFamily="49" charset="0"/>
                 <a:ea typeface="D2Coding" panose="020B0609020101020101" pitchFamily="49" charset="-127"/>
               </a:rPr>
-              <a:t>"&gt;</a:t>
+              <a:t>...</a:t>
             </a:r>
           </a:p>
           <a:p>
@@ -22725,7 +22855,49 @@
               <a:buFontTx/>
               <a:buNone/>
             </a:pPr>
-            <a:endParaRPr lang="en-US" altLang="ko-KR" sz="1600" dirty="0">
+            <a:r>
+              <a:rPr lang="en-US" altLang="ko-KR" sz="1600" dirty="0">
+                <a:latin typeface="Consolas" panose="020B0609020204030204" pitchFamily="49" charset="0"/>
+                <a:ea typeface="D2Coding" panose="020B0609020101020101" pitchFamily="49" charset="-127"/>
+              </a:rPr>
+              <a:t> </a:t>
+            </a:r>
+            <a:r>
+              <a:rPr lang="en-US" altLang="ko-KR" sz="1600" dirty="0" smtClean="0">
+                <a:latin typeface="Consolas" panose="020B0609020204030204" pitchFamily="49" charset="0"/>
+                <a:ea typeface="D2Coding" panose="020B0609020101020101" pitchFamily="49" charset="-127"/>
+              </a:rPr>
+              <a:t>       </a:t>
+            </a:r>
+            <a:r>
+              <a:rPr lang="en-US" altLang="ko-KR" sz="1600" dirty="0" err="1" smtClean="0">
+                <a:latin typeface="Consolas" panose="020B0609020204030204" pitchFamily="49" charset="0"/>
+                <a:ea typeface="D2Coding" panose="020B0609020101020101" pitchFamily="49" charset="-127"/>
+              </a:rPr>
+              <a:t>android:theme</a:t>
+            </a:r>
+            <a:r>
+              <a:rPr lang="en-US" altLang="ko-KR" sz="1600" dirty="0">
+                <a:latin typeface="Consolas" panose="020B0609020204030204" pitchFamily="49" charset="0"/>
+                <a:ea typeface="D2Coding" panose="020B0609020101020101" pitchFamily="49" charset="-127"/>
+              </a:rPr>
+              <a:t>="@style/</a:t>
+            </a:r>
+            <a:r>
+              <a:rPr lang="en-US" altLang="ko-KR" sz="1600" dirty="0" err="1">
+                <a:latin typeface="Consolas" panose="020B0609020204030204" pitchFamily="49" charset="0"/>
+                <a:ea typeface="D2Coding" panose="020B0609020101020101" pitchFamily="49" charset="-127"/>
+              </a:rPr>
+              <a:t>AppTheme</a:t>
+            </a:r>
+            <a:r>
+              <a:rPr lang="en-US" altLang="ko-KR" sz="1600" dirty="0" smtClean="0">
+                <a:latin typeface="Consolas" panose="020B0609020204030204" pitchFamily="49" charset="0"/>
+                <a:ea typeface="D2Coding" panose="020B0609020101020101" pitchFamily="49" charset="-127"/>
+              </a:rPr>
+              <a:t>"</a:t>
+            </a:r>
+            <a:endParaRPr lang="en-US" altLang="ko-KR" sz="1600" dirty="0" smtClean="0">
               <a:latin typeface="Consolas" panose="020B0609020204030204" pitchFamily="49" charset="0"/>
               <a:ea typeface="D2Coding" panose="020B0609020101020101" pitchFamily="49" charset="-127"/>
             </a:endParaRPr>
@@ -22743,24 +22915,24 @@
               <a:buNone/>
             </a:pPr>
             <a:r>
+              <a:rPr lang="en-US" altLang="ko-KR" sz="1600" dirty="0" smtClean="0">
+                <a:latin typeface="Consolas" panose="020B0609020204030204" pitchFamily="49" charset="0"/>
+                <a:ea typeface="D2Coding" panose="020B0609020101020101" pitchFamily="49" charset="-127"/>
+              </a:rPr>
+              <a:t>        </a:t>
+            </a:r>
+            <a:r>
+              <a:rPr lang="en-US" altLang="ko-KR" sz="1600" dirty="0" err="1">
+                <a:latin typeface="Consolas" panose="020B0609020204030204" pitchFamily="49" charset="0"/>
+                <a:ea typeface="D2Coding" panose="020B0609020101020101" pitchFamily="49" charset="-127"/>
+              </a:rPr>
+              <a:t>android:usesCleartextTraffic</a:t>
+            </a:r>
+            <a:r>
               <a:rPr lang="en-US" altLang="ko-KR" sz="1600" dirty="0">
                 <a:latin typeface="Consolas" panose="020B0609020204030204" pitchFamily="49" charset="0"/>
                 <a:ea typeface="D2Coding" panose="020B0609020101020101" pitchFamily="49" charset="-127"/>
               </a:rPr>
-              <a:t>        </a:t>
-            </a:r>
-            <a:r>
-              <a:rPr lang="en-US" altLang="ko-KR" sz="1600" dirty="0" err="1">
-                <a:latin typeface="Consolas" panose="020B0609020204030204" pitchFamily="49" charset="0"/>
-                <a:ea typeface="D2Coding" panose="020B0609020101020101" pitchFamily="49" charset="-127"/>
-              </a:rPr>
-              <a:t>android:usesCleartextTraffic</a:t>
-            </a:r>
-            <a:r>
-              <a:rPr lang="en-US" altLang="ko-KR" sz="1600" dirty="0">
-                <a:latin typeface="Consolas" panose="020B0609020204030204" pitchFamily="49" charset="0"/>
-                <a:ea typeface="D2Coding" panose="020B0609020101020101" pitchFamily="49" charset="-127"/>
-              </a:rPr>
               <a:t>="true</a:t>
             </a:r>
             <a:r>
@@ -22768,7 +22940,7 @@
                 <a:latin typeface="Consolas" panose="020B0609020204030204" pitchFamily="49" charset="0"/>
                 <a:ea typeface="D2Coding" panose="020B0609020101020101" pitchFamily="49" charset="-127"/>
               </a:rPr>
-              <a:t>"&gt;</a:t>
+              <a:t>" &gt; </a:t>
             </a:r>
             <a:endParaRPr lang="en-US" altLang="ko-KR" sz="1600" dirty="0">
               <a:latin typeface="Consolas" panose="020B0609020204030204" pitchFamily="49" charset="0"/>
@@ -23174,8 +23346,8 @@
         </p:nvSpPr>
         <p:spPr>
           <a:xfrm flipH="1">
-            <a:off x="767407" y="1556792"/>
-            <a:ext cx="504055" cy="2952328"/>
+            <a:off x="767406" y="1412776"/>
+            <a:ext cx="504055" cy="3096344"/>
           </a:xfrm>
           <a:prstGeom prst="roundRect">
             <a:avLst/>
@@ -23266,6 +23438,13 @@
   <p:clrMapOvr>
     <a:masterClrMapping/>
   </p:clrMapOvr>
+  <p:timing>
+    <p:tnLst>
+      <p:par>
+        <p:cTn id="1" dur="indefinite" restart="never" nodeType="tmRoot"/>
+      </p:par>
+    </p:tnLst>
+  </p:timing>
 </p:sld>
 </file>
 
@@ -23584,6 +23763,13 @@
   <p:clrMapOvr>
     <a:masterClrMapping/>
   </p:clrMapOvr>
+  <p:timing>
+    <p:tnLst>
+      <p:par>
+        <p:cTn id="1" dur="indefinite" restart="never" nodeType="tmRoot"/>
+      </p:par>
+    </p:tnLst>
+  </p:timing>
 </p:sld>
 </file>
 
@@ -24632,6 +24818,13 @@
   <p:clrMapOvr>
     <a:masterClrMapping/>
   </p:clrMapOvr>
+  <p:timing>
+    <p:tnLst>
+      <p:par>
+        <p:cTn id="1" dur="indefinite" restart="never" nodeType="tmRoot"/>
+      </p:par>
+    </p:tnLst>
+  </p:timing>
 </p:sld>
 </file>
 
@@ -25103,6 +25296,13 @@
   <p:clrMapOvr>
     <a:masterClrMapping/>
   </p:clrMapOvr>
+  <p:timing>
+    <p:tnLst>
+      <p:par>
+        <p:cTn id="1" dur="indefinite" restart="never" nodeType="tmRoot"/>
+      </p:par>
+    </p:tnLst>
+  </p:timing>
 </p:sld>
 </file>
 
@@ -25248,9 +25448,6 @@
               </a:rPr>
               <a:t>. </a:t>
             </a:r>
-            <a:endParaRPr lang="en-US" altLang="ko-KR" dirty="0" smtClean="0">
-              <a:sym typeface="Wingdings" panose="05000000000000000000" pitchFamily="2" charset="2"/>
-            </a:endParaRPr>
           </a:p>
           <a:p>
             <a:pPr marL="0" indent="0">
@@ -25397,6 +25594,13 @@
   <p:clrMapOvr>
     <a:masterClrMapping/>
   </p:clrMapOvr>
+  <p:timing>
+    <p:tnLst>
+      <p:par>
+        <p:cTn id="1" dur="indefinite" restart="never" nodeType="tmRoot"/>
+      </p:par>
+    </p:tnLst>
+  </p:timing>
 </p:sld>
 </file>
 
@@ -25843,6 +26047,13 @@
   <p:clrMapOvr>
     <a:masterClrMapping/>
   </p:clrMapOvr>
+  <p:timing>
+    <p:tnLst>
+      <p:par>
+        <p:cTn id="1" dur="indefinite" restart="never" nodeType="tmRoot"/>
+      </p:par>
+    </p:tnLst>
+  </p:timing>
 </p:sld>
 </file>
 
@@ -26562,6 +26773,13 @@
   <p:clrMapOvr>
     <a:masterClrMapping/>
   </p:clrMapOvr>
+  <p:timing>
+    <p:tnLst>
+      <p:par>
+        <p:cTn id="1" dur="indefinite" restart="never" nodeType="tmRoot"/>
+      </p:par>
+    </p:tnLst>
+  </p:timing>
 </p:sld>
 </file>
 
@@ -26847,6 +27065,13 @@
   <p:clrMapOvr>
     <a:masterClrMapping/>
   </p:clrMapOvr>
+  <p:timing>
+    <p:tnLst>
+      <p:par>
+        <p:cTn id="1" dur="indefinite" restart="never" nodeType="tmRoot"/>
+      </p:par>
+    </p:tnLst>
+  </p:timing>
 </p:sld>
 </file>
 
@@ -27279,6 +27504,13 @@
   <p:clrMapOvr>
     <a:masterClrMapping/>
   </p:clrMapOvr>
+  <p:timing>
+    <p:tnLst>
+      <p:par>
+        <p:cTn id="1" dur="indefinite" restart="never" nodeType="tmRoot"/>
+      </p:par>
+    </p:tnLst>
+  </p:timing>
 </p:sld>
 </file>
 
@@ -27789,6 +28021,89 @@
           </a:p>
         </p:txBody>
       </p:sp>
+      <p:cxnSp>
+        <p:nvCxnSpPr>
+          <p:cNvPr id="6" name="꺾인 연결선 5"/>
+          <p:cNvCxnSpPr>
+            <a:endCxn id="22" idx="1"/>
+          </p:cNvCxnSpPr>
+          <p:nvPr/>
+        </p:nvCxnSpPr>
+        <p:spPr>
+          <a:xfrm>
+            <a:off x="2063552" y="4581128"/>
+            <a:ext cx="1914536" cy="1596840"/>
+          </a:xfrm>
+          <a:prstGeom prst="bentConnector3">
+            <a:avLst/>
+          </a:prstGeom>
+          <a:ln>
+            <a:tailEnd type="triangle"/>
+          </a:ln>
+        </p:spPr>
+        <p:style>
+          <a:lnRef idx="1">
+            <a:schemeClr val="accent1"/>
+          </a:lnRef>
+          <a:fillRef idx="0">
+            <a:schemeClr val="accent1"/>
+          </a:fillRef>
+          <a:effectRef idx="0">
+            <a:schemeClr val="accent1"/>
+          </a:effectRef>
+          <a:fontRef idx="minor">
+            <a:schemeClr val="tx1"/>
+          </a:fontRef>
+        </p:style>
+      </p:cxnSp>
+      <p:sp>
+        <p:nvSpPr>
+          <p:cNvPr id="7" name="아래쪽 화살표 6"/>
+          <p:cNvSpPr/>
+          <p:nvPr/>
+        </p:nvSpPr>
+        <p:spPr>
+          <a:xfrm>
+            <a:off x="4363365" y="3620283"/>
+            <a:ext cx="432048" cy="318196"/>
+          </a:xfrm>
+          <a:prstGeom prst="downArrow">
+            <a:avLst/>
+          </a:prstGeom>
+          <a:solidFill>
+            <a:srgbClr val="C00000"/>
+          </a:solidFill>
+          <a:ln>
+            <a:solidFill>
+              <a:srgbClr val="C00000"/>
+            </a:solidFill>
+          </a:ln>
+        </p:spPr>
+        <p:style>
+          <a:lnRef idx="2">
+            <a:schemeClr val="accent1">
+              <a:shade val="50000"/>
+            </a:schemeClr>
+          </a:lnRef>
+          <a:fillRef idx="1">
+            <a:schemeClr val="accent1"/>
+          </a:fillRef>
+          <a:effectRef idx="0">
+            <a:schemeClr val="accent1"/>
+          </a:effectRef>
+          <a:fontRef idx="minor">
+            <a:schemeClr val="lt1"/>
+          </a:fontRef>
+        </p:style>
+        <p:txBody>
+          <a:bodyPr rtlCol="0" anchor="ctr"/>
+          <a:lstStyle/>
+          <a:p>
+            <a:pPr algn="ctr"/>
+            <a:endParaRPr lang="ko-KR" altLang="en-US"/>
+          </a:p>
+        </p:txBody>
+      </p:sp>
     </p:spTree>
     <p:extLst>
       <p:ext uri="{BB962C8B-B14F-4D97-AF65-F5344CB8AC3E}">
@@ -27799,6 +28114,13 @@
   <p:clrMapOvr>
     <a:masterClrMapping/>
   </p:clrMapOvr>
+  <p:timing>
+    <p:tnLst>
+      <p:par>
+        <p:cTn id="1" dur="indefinite" restart="never" nodeType="tmRoot"/>
+      </p:par>
+    </p:tnLst>
+  </p:timing>
 </p:sld>
 </file>
 
@@ -28613,6 +28935,29 @@
               <a:rPr lang="en-US" altLang="ko-KR" dirty="0" smtClean="0"/>
               <a:t>.</a:t>
             </a:r>
+          </a:p>
+          <a:p>
+            <a:r>
+              <a:rPr lang="en-US" altLang="ko-KR" dirty="0" smtClean="0"/>
+              <a:t>API key</a:t>
+            </a:r>
+            <a:r>
+              <a:rPr lang="ko-KR" altLang="en-US" dirty="0" smtClean="0"/>
+              <a:t>는 여기 웹사이트에 저장이 되어 있어서</a:t>
+            </a:r>
+            <a:r>
+              <a:rPr lang="en-US" altLang="ko-KR" dirty="0" smtClean="0"/>
+              <a:t>, </a:t>
+            </a:r>
+            <a:r>
+              <a:rPr lang="ko-KR" altLang="en-US" dirty="0" smtClean="0"/>
+              <a:t>필요할 때마다 참조하면 됩니다</a:t>
+            </a:r>
+            <a:r>
+              <a:rPr lang="en-US" altLang="ko-KR" dirty="0" smtClean="0"/>
+              <a:t>. </a:t>
+            </a:r>
+            <a:endParaRPr lang="en-US" altLang="ko-KR" dirty="0" smtClean="0"/>
           </a:p>
           <a:p>
             <a:endParaRPr lang="en-US" altLang="ko-KR" dirty="0" smtClean="0"/>
@@ -32273,7 +32618,7 @@
         </p:nvSpPr>
         <p:spPr>
           <a:xfrm>
-            <a:off x="6780590" y="5229200"/>
+            <a:off x="7032104" y="5575915"/>
             <a:ext cx="2332690" cy="338554"/>
           </a:xfrm>
           <a:prstGeom prst="rect">
@@ -32281,7 +32626,7 @@
           </a:prstGeom>
         </p:spPr>
         <p:txBody>
-          <a:bodyPr wrap="none">
+          <a:bodyPr wrap="square">
             <a:spAutoFit/>
           </a:bodyPr>
           <a:lstStyle/>
@@ -32310,8 +32655,8 @@
         </p:nvCxnSpPr>
         <p:spPr>
           <a:xfrm flipH="1" flipV="1">
-            <a:off x="5519936" y="5344233"/>
-            <a:ext cx="1260141" cy="69633"/>
+            <a:off x="5879976" y="5589240"/>
+            <a:ext cx="1151616" cy="171342"/>
           </a:xfrm>
           <a:prstGeom prst="straightConnector1">
             <a:avLst/>
@@ -32335,6 +32680,115 @@
           </a:fontRef>
         </p:style>
       </p:cxnSp>
+      <p:grpSp>
+        <p:nvGrpSpPr>
+          <p:cNvPr id="16" name="그룹 15"/>
+          <p:cNvGrpSpPr/>
+          <p:nvPr/>
+        </p:nvGrpSpPr>
+        <p:grpSpPr>
+          <a:xfrm>
+            <a:off x="8214992" y="4215597"/>
+            <a:ext cx="3251211" cy="846689"/>
+            <a:chOff x="8112224" y="4134963"/>
+            <a:chExt cx="3251211" cy="846689"/>
+          </a:xfrm>
+        </p:grpSpPr>
+        <p:sp>
+          <p:nvSpPr>
+            <p:cNvPr id="5" name="TextBox 4"/>
+            <p:cNvSpPr txBox="1"/>
+            <p:nvPr/>
+          </p:nvSpPr>
+          <p:spPr>
+            <a:xfrm>
+              <a:off x="8112224" y="4134963"/>
+              <a:ext cx="3251211" cy="523220"/>
+            </a:xfrm>
+            <a:prstGeom prst="rect">
+              <a:avLst/>
+            </a:prstGeom>
+            <a:solidFill>
+              <a:srgbClr val="FFC000"/>
+            </a:solidFill>
+          </p:spPr>
+          <p:txBody>
+            <a:bodyPr wrap="none" rtlCol="0">
+              <a:spAutoFit/>
+            </a:bodyPr>
+            <a:lstStyle/>
+            <a:p>
+              <a:r>
+                <a:rPr lang="en-US" altLang="ko-KR" sz="1400" dirty="0" smtClean="0"/>
+                <a:t>images </a:t>
+              </a:r>
+              <a:r>
+                <a:rPr lang="ko-KR" altLang="en-US" sz="1400" dirty="0" smtClean="0"/>
+                <a:t>폴더에서 </a:t>
+              </a:r>
+              <a:r>
+                <a:rPr lang="en-US" altLang="ko-KR" sz="1400" dirty="0" smtClean="0"/>
+                <a:t>icon </a:t>
+              </a:r>
+              <a:r>
+                <a:rPr lang="ko-KR" altLang="en-US" sz="1400" dirty="0" smtClean="0"/>
+                <a:t>파일을 </a:t>
+              </a:r>
+              <a:endParaRPr lang="en-US" altLang="ko-KR" sz="1400" dirty="0" smtClean="0"/>
+            </a:p>
+            <a:p>
+              <a:r>
+                <a:rPr lang="ko-KR" altLang="en-US" sz="1400" dirty="0" smtClean="0"/>
+                <a:t>복사하여 </a:t>
+              </a:r>
+              <a:r>
+                <a:rPr lang="en-US" altLang="ko-KR" sz="1400" dirty="0" smtClean="0"/>
+                <a:t>drawable </a:t>
+              </a:r>
+              <a:r>
+                <a:rPr lang="ko-KR" altLang="en-US" sz="1400" dirty="0" smtClean="0"/>
+                <a:t>폴더에 넣어 주세요</a:t>
+              </a:r>
+              <a:endParaRPr lang="ko-KR" altLang="en-US" sz="1400" dirty="0"/>
+            </a:p>
+          </p:txBody>
+        </p:sp>
+        <p:cxnSp>
+          <p:nvCxnSpPr>
+            <p:cNvPr id="11" name="직선 화살표 연결선 10"/>
+            <p:cNvCxnSpPr>
+              <a:stCxn id="5" idx="2"/>
+            </p:cNvCxnSpPr>
+            <p:nvPr/>
+          </p:nvCxnSpPr>
+          <p:spPr>
+            <a:xfrm flipH="1">
+              <a:off x="9737829" y="4658183"/>
+              <a:ext cx="1" cy="323469"/>
+            </a:xfrm>
+            <a:prstGeom prst="straightConnector1">
+              <a:avLst/>
+            </a:prstGeom>
+            <a:ln>
+              <a:tailEnd type="triangle"/>
+            </a:ln>
+          </p:spPr>
+          <p:style>
+            <a:lnRef idx="1">
+              <a:schemeClr val="accent1"/>
+            </a:lnRef>
+            <a:fillRef idx="0">
+              <a:schemeClr val="accent1"/>
+            </a:fillRef>
+            <a:effectRef idx="0">
+              <a:schemeClr val="accent1"/>
+            </a:effectRef>
+            <a:fontRef idx="minor">
+              <a:schemeClr val="tx1"/>
+            </a:fontRef>
+          </p:style>
+        </p:cxnSp>
+      </p:grpSp>
     </p:spTree>
     <p:extLst>
       <p:ext uri="{BB962C8B-B14F-4D97-AF65-F5344CB8AC3E}">
@@ -34096,6 +34550,13 @@
   <p:clrMapOvr>
     <a:masterClrMapping/>
   </p:clrMapOvr>
+  <p:timing>
+    <p:tnLst>
+      <p:par>
+        <p:cTn id="1" dur="indefinite" restart="never" nodeType="tmRoot"/>
+      </p:par>
+    </p:tnLst>
+  </p:timing>
 </p:sld>
 </file>
 
@@ -36086,11 +36547,11 @@
   <p:clrMapOvr>
     <a:masterClrMapping/>
   </p:clrMapOvr>
-  <mc:AlternateContent xmlns:mc="http://schemas.openxmlformats.org/markup-compatibility/2006">
-    <mc:Choice xmlns:p14="http://schemas.microsoft.com/office/powerpoint/2010/main" Requires="p14">
+  <mc:AlternateContent xmlns:mc="http://schemas.openxmlformats.org/markup-compatibility/2006" xmlns:p14="http://schemas.microsoft.com/office/powerpoint/2010/main">
+    <mc:Choice Requires="p14">
       <p:transition spd="slow" p14:dur="2000"/>
     </mc:Choice>
-    <mc:Fallback>
+    <mc:Fallback xmlns="">
       <p:transition spd="slow"/>
     </mc:Fallback>
   </mc:AlternateContent>
@@ -36410,11 +36871,11 @@
   <p:clrMapOvr>
     <a:masterClrMapping/>
   </p:clrMapOvr>
-  <mc:AlternateContent xmlns:mc="http://schemas.openxmlformats.org/markup-compatibility/2006">
-    <mc:Choice xmlns:p14="http://schemas.microsoft.com/office/powerpoint/2010/main" Requires="p14">
+  <mc:AlternateContent xmlns:mc="http://schemas.openxmlformats.org/markup-compatibility/2006" xmlns:p14="http://schemas.microsoft.com/office/powerpoint/2010/main">
+    <mc:Choice Requires="p14">
       <p:transition spd="slow" p14:dur="2000"/>
     </mc:Choice>
-    <mc:Fallback>
+    <mc:Fallback xmlns="">
       <p:transition spd="slow"/>
     </mc:Fallback>
   </mc:AlternateContent>
@@ -37405,6 +37866,13 @@
   <p:clrMapOvr>
     <a:masterClrMapping/>
   </p:clrMapOvr>
+  <p:timing>
+    <p:tnLst>
+      <p:par>
+        <p:cTn id="1" dur="indefinite" restart="never" nodeType="tmRoot"/>
+      </p:par>
+    </p:tnLst>
+  </p:timing>
 </p:sld>
 </file>
 
@@ -39037,6 +39505,13 @@
   <p:clrMapOvr>
     <a:masterClrMapping/>
   </p:clrMapOvr>
+  <p:timing>
+    <p:tnLst>
+      <p:par>
+        <p:cTn id="1" dur="indefinite" restart="never" nodeType="tmRoot"/>
+      </p:par>
+    </p:tnLst>
+  </p:timing>
 </p:sld>
 </file>
 
@@ -39663,9 +40138,6 @@
               </a:rPr>
               <a:t>);</a:t>
             </a:r>
-            <a:endParaRPr lang="en-US" altLang="ko-KR" sz="1400" dirty="0" smtClean="0">
-              <a:latin typeface="Consolas" panose="020B0609020204030204" pitchFamily="49" charset="0"/>
-            </a:endParaRPr>
           </a:p>
           <a:p>
             <a:r>
@@ -39706,6 +40178,13 @@
   <p:clrMapOvr>
     <a:masterClrMapping/>
   </p:clrMapOvr>
+  <p:timing>
+    <p:tnLst>
+      <p:par>
+        <p:cTn id="1" dur="indefinite" restart="never" nodeType="tmRoot"/>
+      </p:par>
+    </p:tnLst>
+  </p:timing>
 </p:sld>
 </file>
 
@@ -40268,6 +40747,13 @@
   <p:clrMapOvr>
     <a:masterClrMapping/>
   </p:clrMapOvr>
+  <p:timing>
+    <p:tnLst>
+      <p:par>
+        <p:cTn id="1" dur="indefinite" restart="never" nodeType="tmRoot"/>
+      </p:par>
+    </p:tnLst>
+  </p:timing>
 </p:sld>
 </file>
 
